--- a/Preparation.pptx
+++ b/Preparation.pptx
@@ -119,6 +119,43 @@
 </p:presentation>
 </file>
 
+<file path=ppt/changesInfos/changesInfo1.xml><?xml version="1.0" encoding="utf-8"?>
+<pc:chgInfo xmlns:a="http://schemas.openxmlformats.org/drawingml/2006/main" xmlns:r="http://schemas.openxmlformats.org/officeDocument/2006/relationships" xmlns:ac="http://schemas.microsoft.com/office/drawing/2013/main/command" xmlns:pc="http://schemas.microsoft.com/office/powerpoint/2013/main/command">
+  <pc:docChgLst>
+    <pc:chgData name="미라 손" userId="1eb8e5771ac11141" providerId="LiveId" clId="{5DCA9F88-D0E9-46D5-A621-ABA25893FF7C}"/>
+    <pc:docChg chg="modSld">
+      <pc:chgData name="미라 손" userId="1eb8e5771ac11141" providerId="LiveId" clId="{5DCA9F88-D0E9-46D5-A621-ABA25893FF7C}" dt="2021-01-08T02:00:51.540" v="26" actId="1076"/>
+      <pc:docMkLst>
+        <pc:docMk/>
+      </pc:docMkLst>
+      <pc:sldChg chg="modSp mod">
+        <pc:chgData name="미라 손" userId="1eb8e5771ac11141" providerId="LiveId" clId="{5DCA9F88-D0E9-46D5-A621-ABA25893FF7C}" dt="2021-01-08T02:00:51.540" v="26" actId="1076"/>
+        <pc:sldMkLst>
+          <pc:docMk/>
+          <pc:sldMk cId="3305140656" sldId="256"/>
+        </pc:sldMkLst>
+        <pc:spChg chg="mod">
+          <ac:chgData name="미라 손" userId="1eb8e5771ac11141" providerId="LiveId" clId="{5DCA9F88-D0E9-46D5-A621-ABA25893FF7C}" dt="2021-01-08T02:00:47.396" v="25" actId="1036"/>
+          <ac:spMkLst>
+            <pc:docMk/>
+            <pc:sldMk cId="3305140656" sldId="256"/>
+            <ac:spMk id="12" creationId="{00000000-0000-0000-0000-000000000000}"/>
+          </ac:spMkLst>
+        </pc:spChg>
+        <pc:spChg chg="mod">
+          <ac:chgData name="미라 손" userId="1eb8e5771ac11141" providerId="LiveId" clId="{5DCA9F88-D0E9-46D5-A621-ABA25893FF7C}" dt="2021-01-08T02:00:51.540" v="26" actId="1076"/>
+          <ac:spMkLst>
+            <pc:docMk/>
+            <pc:sldMk cId="3305140656" sldId="256"/>
+            <ac:spMk id="13" creationId="{00000000-0000-0000-0000-000000000000}"/>
+          </ac:spMkLst>
+        </pc:spChg>
+      </pc:sldChg>
+    </pc:docChg>
+  </pc:docChgLst>
+</pc:chgInfo>
+</file>
+
 <file path=ppt/slideLayouts/slideLayout1.xml><?xml version="1.0" encoding="utf-8"?>
 <p:sldLayout xmlns:a="http://schemas.openxmlformats.org/drawingml/2006/main" xmlns:r="http://schemas.openxmlformats.org/officeDocument/2006/relationships" xmlns:p="http://schemas.openxmlformats.org/presentationml/2006/main" type="title" preserve="1">
   <p:cSld name="Title Slide">
@@ -161,10 +198,9 @@
           </a:lstStyle>
           <a:p>
             <a:r>
-              <a:rPr lang="en-US" smtClean="0"/>
+              <a:rPr lang="en-US"/>
               <a:t>Click to edit Master title style</a:t>
             </a:r>
-            <a:endParaRPr lang="en-US"/>
           </a:p>
         </p:txBody>
       </p:sp>
@@ -226,10 +262,9 @@
           </a:lstStyle>
           <a:p>
             <a:r>
-              <a:rPr lang="en-US" smtClean="0"/>
+              <a:rPr lang="en-US"/>
               <a:t>Click to edit Master subtitle style</a:t>
             </a:r>
-            <a:endParaRPr lang="en-US"/>
           </a:p>
         </p:txBody>
       </p:sp>
@@ -250,7 +285,7 @@
           <a:p>
             <a:fld id="{70E4216B-80F1-4A84-B2DD-FE0A51915EB0}" type="datetimeFigureOut">
               <a:rPr lang="en-US" smtClean="0"/>
-              <a:t>10/7/2020</a:t>
+              <a:t>1/7/2021</a:t>
             </a:fld>
             <a:endParaRPr lang="en-US"/>
           </a:p>
@@ -344,10 +379,9 @@
           <a:lstStyle/>
           <a:p>
             <a:r>
-              <a:rPr lang="en-US" smtClean="0"/>
+              <a:rPr lang="en-US"/>
               <a:t>Click to edit Master title style</a:t>
             </a:r>
-            <a:endParaRPr lang="en-US"/>
           </a:p>
         </p:txBody>
       </p:sp>
@@ -368,38 +402,37 @@
           <a:p>
             <a:pPr lvl="0"/>
             <a:r>
-              <a:rPr lang="en-US" smtClean="0"/>
+              <a:rPr lang="en-US"/>
               <a:t>Edit Master text styles</a:t>
             </a:r>
           </a:p>
           <a:p>
             <a:pPr lvl="1"/>
             <a:r>
-              <a:rPr lang="en-US" smtClean="0"/>
+              <a:rPr lang="en-US"/>
               <a:t>Second level</a:t>
             </a:r>
           </a:p>
           <a:p>
             <a:pPr lvl="2"/>
             <a:r>
-              <a:rPr lang="en-US" smtClean="0"/>
+              <a:rPr lang="en-US"/>
               <a:t>Third level</a:t>
             </a:r>
           </a:p>
           <a:p>
             <a:pPr lvl="3"/>
             <a:r>
-              <a:rPr lang="en-US" smtClean="0"/>
+              <a:rPr lang="en-US"/>
               <a:t>Fourth level</a:t>
             </a:r>
           </a:p>
           <a:p>
             <a:pPr lvl="4"/>
             <a:r>
-              <a:rPr lang="en-US" smtClean="0"/>
+              <a:rPr lang="en-US"/>
               <a:t>Fifth level</a:t>
             </a:r>
-            <a:endParaRPr lang="en-US"/>
           </a:p>
         </p:txBody>
       </p:sp>
@@ -420,7 +453,7 @@
           <a:p>
             <a:fld id="{70E4216B-80F1-4A84-B2DD-FE0A51915EB0}" type="datetimeFigureOut">
               <a:rPr lang="en-US" smtClean="0"/>
-              <a:t>10/7/2020</a:t>
+              <a:t>1/7/2021</a:t>
             </a:fld>
             <a:endParaRPr lang="en-US"/>
           </a:p>
@@ -519,10 +552,9 @@
           <a:lstStyle/>
           <a:p>
             <a:r>
-              <a:rPr lang="en-US" smtClean="0"/>
+              <a:rPr lang="en-US"/>
               <a:t>Click to edit Master title style</a:t>
             </a:r>
-            <a:endParaRPr lang="en-US"/>
           </a:p>
         </p:txBody>
       </p:sp>
@@ -548,38 +580,37 @@
           <a:p>
             <a:pPr lvl="0"/>
             <a:r>
-              <a:rPr lang="en-US" smtClean="0"/>
+              <a:rPr lang="en-US"/>
               <a:t>Edit Master text styles</a:t>
             </a:r>
           </a:p>
           <a:p>
             <a:pPr lvl="1"/>
             <a:r>
-              <a:rPr lang="en-US" smtClean="0"/>
+              <a:rPr lang="en-US"/>
               <a:t>Second level</a:t>
             </a:r>
           </a:p>
           <a:p>
             <a:pPr lvl="2"/>
             <a:r>
-              <a:rPr lang="en-US" smtClean="0"/>
+              <a:rPr lang="en-US"/>
               <a:t>Third level</a:t>
             </a:r>
           </a:p>
           <a:p>
             <a:pPr lvl="3"/>
             <a:r>
-              <a:rPr lang="en-US" smtClean="0"/>
+              <a:rPr lang="en-US"/>
               <a:t>Fourth level</a:t>
             </a:r>
           </a:p>
           <a:p>
             <a:pPr lvl="4"/>
             <a:r>
-              <a:rPr lang="en-US" smtClean="0"/>
+              <a:rPr lang="en-US"/>
               <a:t>Fifth level</a:t>
             </a:r>
-            <a:endParaRPr lang="en-US"/>
           </a:p>
         </p:txBody>
       </p:sp>
@@ -600,7 +631,7 @@
           <a:p>
             <a:fld id="{70E4216B-80F1-4A84-B2DD-FE0A51915EB0}" type="datetimeFigureOut">
               <a:rPr lang="en-US" smtClean="0"/>
-              <a:t>10/7/2020</a:t>
+              <a:t>1/7/2021</a:t>
             </a:fld>
             <a:endParaRPr lang="en-US"/>
           </a:p>
@@ -694,10 +725,9 @@
           <a:lstStyle/>
           <a:p>
             <a:r>
-              <a:rPr lang="en-US" smtClean="0"/>
+              <a:rPr lang="en-US"/>
               <a:t>Click to edit Master title style</a:t>
             </a:r>
-            <a:endParaRPr lang="en-US"/>
           </a:p>
         </p:txBody>
       </p:sp>
@@ -718,38 +748,37 @@
           <a:p>
             <a:pPr lvl="0"/>
             <a:r>
-              <a:rPr lang="en-US" smtClean="0"/>
+              <a:rPr lang="en-US"/>
               <a:t>Edit Master text styles</a:t>
             </a:r>
           </a:p>
           <a:p>
             <a:pPr lvl="1"/>
             <a:r>
-              <a:rPr lang="en-US" smtClean="0"/>
+              <a:rPr lang="en-US"/>
               <a:t>Second level</a:t>
             </a:r>
           </a:p>
           <a:p>
             <a:pPr lvl="2"/>
             <a:r>
-              <a:rPr lang="en-US" smtClean="0"/>
+              <a:rPr lang="en-US"/>
               <a:t>Third level</a:t>
             </a:r>
           </a:p>
           <a:p>
             <a:pPr lvl="3"/>
             <a:r>
-              <a:rPr lang="en-US" smtClean="0"/>
+              <a:rPr lang="en-US"/>
               <a:t>Fourth level</a:t>
             </a:r>
           </a:p>
           <a:p>
             <a:pPr lvl="4"/>
             <a:r>
-              <a:rPr lang="en-US" smtClean="0"/>
+              <a:rPr lang="en-US"/>
               <a:t>Fifth level</a:t>
             </a:r>
-            <a:endParaRPr lang="en-US"/>
           </a:p>
         </p:txBody>
       </p:sp>
@@ -770,7 +799,7 @@
           <a:p>
             <a:fld id="{70E4216B-80F1-4A84-B2DD-FE0A51915EB0}" type="datetimeFigureOut">
               <a:rPr lang="en-US" smtClean="0"/>
-              <a:t>10/7/2020</a:t>
+              <a:t>1/7/2021</a:t>
             </a:fld>
             <a:endParaRPr lang="en-US"/>
           </a:p>
@@ -873,10 +902,9 @@
           </a:lstStyle>
           <a:p>
             <a:r>
-              <a:rPr lang="en-US" smtClean="0"/>
+              <a:rPr lang="en-US"/>
               <a:t>Click to edit Master title style</a:t>
             </a:r>
-            <a:endParaRPr lang="en-US"/>
           </a:p>
         </p:txBody>
       </p:sp>
@@ -993,7 +1021,7 @@
           <a:p>
             <a:pPr lvl="0"/>
             <a:r>
-              <a:rPr lang="en-US" smtClean="0"/>
+              <a:rPr lang="en-US"/>
               <a:t>Edit Master text styles</a:t>
             </a:r>
           </a:p>
@@ -1016,7 +1044,7 @@
           <a:p>
             <a:fld id="{70E4216B-80F1-4A84-B2DD-FE0A51915EB0}" type="datetimeFigureOut">
               <a:rPr lang="en-US" smtClean="0"/>
-              <a:t>10/7/2020</a:t>
+              <a:t>1/7/2021</a:t>
             </a:fld>
             <a:endParaRPr lang="en-US"/>
           </a:p>
@@ -1110,10 +1138,9 @@
           <a:lstStyle/>
           <a:p>
             <a:r>
-              <a:rPr lang="en-US" smtClean="0"/>
+              <a:rPr lang="en-US"/>
               <a:t>Click to edit Master title style</a:t>
             </a:r>
-            <a:endParaRPr lang="en-US"/>
           </a:p>
         </p:txBody>
       </p:sp>
@@ -1139,38 +1166,37 @@
           <a:p>
             <a:pPr lvl="0"/>
             <a:r>
-              <a:rPr lang="en-US" smtClean="0"/>
+              <a:rPr lang="en-US"/>
               <a:t>Edit Master text styles</a:t>
             </a:r>
           </a:p>
           <a:p>
             <a:pPr lvl="1"/>
             <a:r>
-              <a:rPr lang="en-US" smtClean="0"/>
+              <a:rPr lang="en-US"/>
               <a:t>Second level</a:t>
             </a:r>
           </a:p>
           <a:p>
             <a:pPr lvl="2"/>
             <a:r>
-              <a:rPr lang="en-US" smtClean="0"/>
+              <a:rPr lang="en-US"/>
               <a:t>Third level</a:t>
             </a:r>
           </a:p>
           <a:p>
             <a:pPr lvl="3"/>
             <a:r>
-              <a:rPr lang="en-US" smtClean="0"/>
+              <a:rPr lang="en-US"/>
               <a:t>Fourth level</a:t>
             </a:r>
           </a:p>
           <a:p>
             <a:pPr lvl="4"/>
             <a:r>
-              <a:rPr lang="en-US" smtClean="0"/>
+              <a:rPr lang="en-US"/>
               <a:t>Fifth level</a:t>
             </a:r>
-            <a:endParaRPr lang="en-US"/>
           </a:p>
         </p:txBody>
       </p:sp>
@@ -1196,38 +1222,37 @@
           <a:p>
             <a:pPr lvl="0"/>
             <a:r>
-              <a:rPr lang="en-US" smtClean="0"/>
+              <a:rPr lang="en-US"/>
               <a:t>Edit Master text styles</a:t>
             </a:r>
           </a:p>
           <a:p>
             <a:pPr lvl="1"/>
             <a:r>
-              <a:rPr lang="en-US" smtClean="0"/>
+              <a:rPr lang="en-US"/>
               <a:t>Second level</a:t>
             </a:r>
           </a:p>
           <a:p>
             <a:pPr lvl="2"/>
             <a:r>
-              <a:rPr lang="en-US" smtClean="0"/>
+              <a:rPr lang="en-US"/>
               <a:t>Third level</a:t>
             </a:r>
           </a:p>
           <a:p>
             <a:pPr lvl="3"/>
             <a:r>
-              <a:rPr lang="en-US" smtClean="0"/>
+              <a:rPr lang="en-US"/>
               <a:t>Fourth level</a:t>
             </a:r>
           </a:p>
           <a:p>
             <a:pPr lvl="4"/>
             <a:r>
-              <a:rPr lang="en-US" smtClean="0"/>
+              <a:rPr lang="en-US"/>
               <a:t>Fifth level</a:t>
             </a:r>
-            <a:endParaRPr lang="en-US"/>
           </a:p>
         </p:txBody>
       </p:sp>
@@ -1248,7 +1273,7 @@
           <a:p>
             <a:fld id="{70E4216B-80F1-4A84-B2DD-FE0A51915EB0}" type="datetimeFigureOut">
               <a:rPr lang="en-US" smtClean="0"/>
-              <a:t>10/7/2020</a:t>
+              <a:t>1/7/2021</a:t>
             </a:fld>
             <a:endParaRPr lang="en-US"/>
           </a:p>
@@ -1347,10 +1372,9 @@
           <a:lstStyle/>
           <a:p>
             <a:r>
-              <a:rPr lang="en-US" smtClean="0"/>
+              <a:rPr lang="en-US"/>
               <a:t>Click to edit Master title style</a:t>
             </a:r>
-            <a:endParaRPr lang="en-US"/>
           </a:p>
         </p:txBody>
       </p:sp>
@@ -1413,7 +1437,7 @@
           <a:p>
             <a:pPr lvl="0"/>
             <a:r>
-              <a:rPr lang="en-US" smtClean="0"/>
+              <a:rPr lang="en-US"/>
               <a:t>Edit Master text styles</a:t>
             </a:r>
           </a:p>
@@ -1441,38 +1465,37 @@
           <a:p>
             <a:pPr lvl="0"/>
             <a:r>
-              <a:rPr lang="en-US" smtClean="0"/>
+              <a:rPr lang="en-US"/>
               <a:t>Edit Master text styles</a:t>
             </a:r>
           </a:p>
           <a:p>
             <a:pPr lvl="1"/>
             <a:r>
-              <a:rPr lang="en-US" smtClean="0"/>
+              <a:rPr lang="en-US"/>
               <a:t>Second level</a:t>
             </a:r>
           </a:p>
           <a:p>
             <a:pPr lvl="2"/>
             <a:r>
-              <a:rPr lang="en-US" smtClean="0"/>
+              <a:rPr lang="en-US"/>
               <a:t>Third level</a:t>
             </a:r>
           </a:p>
           <a:p>
             <a:pPr lvl="3"/>
             <a:r>
-              <a:rPr lang="en-US" smtClean="0"/>
+              <a:rPr lang="en-US"/>
               <a:t>Fourth level</a:t>
             </a:r>
           </a:p>
           <a:p>
             <a:pPr lvl="4"/>
             <a:r>
-              <a:rPr lang="en-US" smtClean="0"/>
+              <a:rPr lang="en-US"/>
               <a:t>Fifth level</a:t>
             </a:r>
-            <a:endParaRPr lang="en-US"/>
           </a:p>
         </p:txBody>
       </p:sp>
@@ -1535,7 +1558,7 @@
           <a:p>
             <a:pPr lvl="0"/>
             <a:r>
-              <a:rPr lang="en-US" smtClean="0"/>
+              <a:rPr lang="en-US"/>
               <a:t>Edit Master text styles</a:t>
             </a:r>
           </a:p>
@@ -1563,38 +1586,37 @@
           <a:p>
             <a:pPr lvl="0"/>
             <a:r>
-              <a:rPr lang="en-US" smtClean="0"/>
+              <a:rPr lang="en-US"/>
               <a:t>Edit Master text styles</a:t>
             </a:r>
           </a:p>
           <a:p>
             <a:pPr lvl="1"/>
             <a:r>
-              <a:rPr lang="en-US" smtClean="0"/>
+              <a:rPr lang="en-US"/>
               <a:t>Second level</a:t>
             </a:r>
           </a:p>
           <a:p>
             <a:pPr lvl="2"/>
             <a:r>
-              <a:rPr lang="en-US" smtClean="0"/>
+              <a:rPr lang="en-US"/>
               <a:t>Third level</a:t>
             </a:r>
           </a:p>
           <a:p>
             <a:pPr lvl="3"/>
             <a:r>
-              <a:rPr lang="en-US" smtClean="0"/>
+              <a:rPr lang="en-US"/>
               <a:t>Fourth level</a:t>
             </a:r>
           </a:p>
           <a:p>
             <a:pPr lvl="4"/>
             <a:r>
-              <a:rPr lang="en-US" smtClean="0"/>
+              <a:rPr lang="en-US"/>
               <a:t>Fifth level</a:t>
             </a:r>
-            <a:endParaRPr lang="en-US"/>
           </a:p>
         </p:txBody>
       </p:sp>
@@ -1615,7 +1637,7 @@
           <a:p>
             <a:fld id="{70E4216B-80F1-4A84-B2DD-FE0A51915EB0}" type="datetimeFigureOut">
               <a:rPr lang="en-US" smtClean="0"/>
-              <a:t>10/7/2020</a:t>
+              <a:t>1/7/2021</a:t>
             </a:fld>
             <a:endParaRPr lang="en-US"/>
           </a:p>
@@ -1709,10 +1731,9 @@
           <a:lstStyle/>
           <a:p>
             <a:r>
-              <a:rPr lang="en-US" smtClean="0"/>
+              <a:rPr lang="en-US"/>
               <a:t>Click to edit Master title style</a:t>
             </a:r>
-            <a:endParaRPr lang="en-US"/>
           </a:p>
         </p:txBody>
       </p:sp>
@@ -1733,7 +1754,7 @@
           <a:p>
             <a:fld id="{70E4216B-80F1-4A84-B2DD-FE0A51915EB0}" type="datetimeFigureOut">
               <a:rPr lang="en-US" smtClean="0"/>
-              <a:t>10/7/2020</a:t>
+              <a:t>1/7/2021</a:t>
             </a:fld>
             <a:endParaRPr lang="en-US"/>
           </a:p>
@@ -1828,7 +1849,7 @@
           <a:p>
             <a:fld id="{70E4216B-80F1-4A84-B2DD-FE0A51915EB0}" type="datetimeFigureOut">
               <a:rPr lang="en-US" smtClean="0"/>
-              <a:t>10/7/2020</a:t>
+              <a:t>1/7/2021</a:t>
             </a:fld>
             <a:endParaRPr lang="en-US"/>
           </a:p>
@@ -1931,10 +1952,9 @@
           </a:lstStyle>
           <a:p>
             <a:r>
-              <a:rPr lang="en-US" smtClean="0"/>
+              <a:rPr lang="en-US"/>
               <a:t>Click to edit Master title style</a:t>
             </a:r>
-            <a:endParaRPr lang="en-US"/>
           </a:p>
         </p:txBody>
       </p:sp>
@@ -1988,38 +2008,37 @@
           <a:p>
             <a:pPr lvl="0"/>
             <a:r>
-              <a:rPr lang="en-US" smtClean="0"/>
+              <a:rPr lang="en-US"/>
               <a:t>Edit Master text styles</a:t>
             </a:r>
           </a:p>
           <a:p>
             <a:pPr lvl="1"/>
             <a:r>
-              <a:rPr lang="en-US" smtClean="0"/>
+              <a:rPr lang="en-US"/>
               <a:t>Second level</a:t>
             </a:r>
           </a:p>
           <a:p>
             <a:pPr lvl="2"/>
             <a:r>
-              <a:rPr lang="en-US" smtClean="0"/>
+              <a:rPr lang="en-US"/>
               <a:t>Third level</a:t>
             </a:r>
           </a:p>
           <a:p>
             <a:pPr lvl="3"/>
             <a:r>
-              <a:rPr lang="en-US" smtClean="0"/>
+              <a:rPr lang="en-US"/>
               <a:t>Fourth level</a:t>
             </a:r>
           </a:p>
           <a:p>
             <a:pPr lvl="4"/>
             <a:r>
-              <a:rPr lang="en-US" smtClean="0"/>
+              <a:rPr lang="en-US"/>
               <a:t>Fifth level</a:t>
             </a:r>
-            <a:endParaRPr lang="en-US"/>
           </a:p>
         </p:txBody>
       </p:sp>
@@ -2082,7 +2101,7 @@
           <a:p>
             <a:pPr lvl="0"/>
             <a:r>
-              <a:rPr lang="en-US" smtClean="0"/>
+              <a:rPr lang="en-US"/>
               <a:t>Edit Master text styles</a:t>
             </a:r>
           </a:p>
@@ -2105,7 +2124,7 @@
           <a:p>
             <a:fld id="{70E4216B-80F1-4A84-B2DD-FE0A51915EB0}" type="datetimeFigureOut">
               <a:rPr lang="en-US" smtClean="0"/>
-              <a:t>10/7/2020</a:t>
+              <a:t>1/7/2021</a:t>
             </a:fld>
             <a:endParaRPr lang="en-US"/>
           </a:p>
@@ -2208,10 +2227,9 @@
           </a:lstStyle>
           <a:p>
             <a:r>
-              <a:rPr lang="en-US" smtClean="0"/>
+              <a:rPr lang="en-US"/>
               <a:t>Click to edit Master title style</a:t>
             </a:r>
-            <a:endParaRPr lang="en-US"/>
           </a:p>
         </p:txBody>
       </p:sp>
@@ -2335,7 +2353,7 @@
           <a:p>
             <a:pPr lvl="0"/>
             <a:r>
-              <a:rPr lang="en-US" smtClean="0"/>
+              <a:rPr lang="en-US"/>
               <a:t>Edit Master text styles</a:t>
             </a:r>
           </a:p>
@@ -2358,7 +2376,7 @@
           <a:p>
             <a:fld id="{70E4216B-80F1-4A84-B2DD-FE0A51915EB0}" type="datetimeFigureOut">
               <a:rPr lang="en-US" smtClean="0"/>
-              <a:t>10/7/2020</a:t>
+              <a:t>1/7/2021</a:t>
             </a:fld>
             <a:endParaRPr lang="en-US"/>
           </a:p>
@@ -2467,10 +2485,9 @@
           <a:lstStyle/>
           <a:p>
             <a:r>
-              <a:rPr lang="en-US" smtClean="0"/>
+              <a:rPr lang="en-US"/>
               <a:t>Click to edit Master title style</a:t>
             </a:r>
-            <a:endParaRPr lang="en-US"/>
           </a:p>
         </p:txBody>
       </p:sp>
@@ -2501,38 +2518,37 @@
           <a:p>
             <a:pPr lvl="0"/>
             <a:r>
-              <a:rPr lang="en-US" smtClean="0"/>
+              <a:rPr lang="en-US"/>
               <a:t>Edit Master text styles</a:t>
             </a:r>
           </a:p>
           <a:p>
             <a:pPr lvl="1"/>
             <a:r>
-              <a:rPr lang="en-US" smtClean="0"/>
+              <a:rPr lang="en-US"/>
               <a:t>Second level</a:t>
             </a:r>
           </a:p>
           <a:p>
             <a:pPr lvl="2"/>
             <a:r>
-              <a:rPr lang="en-US" smtClean="0"/>
+              <a:rPr lang="en-US"/>
               <a:t>Third level</a:t>
             </a:r>
           </a:p>
           <a:p>
             <a:pPr lvl="3"/>
             <a:r>
-              <a:rPr lang="en-US" smtClean="0"/>
+              <a:rPr lang="en-US"/>
               <a:t>Fourth level</a:t>
             </a:r>
           </a:p>
           <a:p>
             <a:pPr lvl="4"/>
             <a:r>
-              <a:rPr lang="en-US" smtClean="0"/>
+              <a:rPr lang="en-US"/>
               <a:t>Fifth level</a:t>
             </a:r>
-            <a:endParaRPr lang="en-US"/>
           </a:p>
         </p:txBody>
       </p:sp>
@@ -2571,7 +2587,7 @@
           <a:p>
             <a:fld id="{70E4216B-80F1-4A84-B2DD-FE0A51915EB0}" type="datetimeFigureOut">
               <a:rPr lang="en-US" smtClean="0"/>
-              <a:t>10/7/2020</a:t>
+              <a:t>1/7/2021</a:t>
             </a:fld>
             <a:endParaRPr lang="en-US"/>
           </a:p>
@@ -2999,10 +3015,9 @@
           <a:lstStyle/>
           <a:p>
             <a:r>
-              <a:rPr lang="en-US" dirty="0" smtClean="0"/>
+              <a:rPr lang="en-US" dirty="0"/>
               <a:t>https://www.r-project.org</a:t>
             </a:r>
-            <a:endParaRPr lang="en-US" dirty="0"/>
           </a:p>
         </p:txBody>
       </p:sp>
@@ -3038,7 +3053,7 @@
         </p:nvSpPr>
         <p:spPr>
           <a:xfrm>
-            <a:off x="5719156" y="5062451"/>
+            <a:off x="5719156" y="4693335"/>
             <a:ext cx="3524597" cy="224444"/>
           </a:xfrm>
           <a:prstGeom prst="rect">
@@ -3084,7 +3099,7 @@
         </p:nvSpPr>
         <p:spPr>
           <a:xfrm>
-            <a:off x="9304711" y="4990007"/>
+            <a:off x="9396990" y="4917779"/>
             <a:ext cx="1439240" cy="369332"/>
           </a:xfrm>
           <a:prstGeom prst="rect">
@@ -3099,18 +3114,13 @@
           <a:lstStyle/>
           <a:p>
             <a:r>
-              <a:rPr lang="en-US" dirty="0" smtClean="0">
+              <a:rPr lang="en-US" dirty="0">
                 <a:solidFill>
                   <a:srgbClr val="FF0000"/>
                 </a:solidFill>
               </a:rPr>
-              <a:t>Install R 4.0.2</a:t>
-            </a:r>
-            <a:endParaRPr lang="en-US" dirty="0">
-              <a:solidFill>
-                <a:srgbClr val="FF0000"/>
-              </a:solidFill>
-            </a:endParaRPr>
+              <a:t>Install R 4.0.3</a:t>
+            </a:r>
           </a:p>
         </p:txBody>
       </p:sp>
@@ -3137,10 +3147,9 @@
           <a:lstStyle/>
           <a:p>
             <a:r>
-              <a:rPr lang="en-US" dirty="0" smtClean="0"/>
+              <a:rPr lang="en-US" dirty="0"/>
               <a:t>1. Install R</a:t>
             </a:r>
-            <a:endParaRPr lang="en-US" dirty="0"/>
           </a:p>
         </p:txBody>
       </p:sp>
@@ -3196,10 +3205,9 @@
           <a:lstStyle/>
           <a:p>
             <a:r>
-              <a:rPr lang="en-US" dirty="0" smtClean="0"/>
+              <a:rPr lang="en-US" dirty="0"/>
               <a:t>https://rstudio.com/products/rstudio/download</a:t>
             </a:r>
-            <a:endParaRPr lang="en-US" dirty="0"/>
           </a:p>
         </p:txBody>
       </p:sp>
@@ -3339,7 +3347,7 @@
           <a:lstStyle/>
           <a:p>
             <a:r>
-              <a:rPr lang="en-US" dirty="0" smtClean="0">
+              <a:rPr lang="en-US" dirty="0">
                 <a:solidFill>
                   <a:srgbClr val="FF0000"/>
                 </a:solidFill>
@@ -3347,7 +3355,7 @@
               <a:t>Install </a:t>
             </a:r>
             <a:r>
-              <a:rPr lang="en-US" dirty="0" err="1" smtClean="0">
+              <a:rPr lang="en-US" dirty="0" err="1">
                 <a:solidFill>
                   <a:srgbClr val="FF0000"/>
                 </a:solidFill>
@@ -3355,18 +3363,13 @@
               <a:t>Rstudio</a:t>
             </a:r>
             <a:r>
-              <a:rPr lang="en-US" dirty="0" smtClean="0">
+              <a:rPr lang="en-US" dirty="0">
                 <a:solidFill>
                   <a:srgbClr val="FF0000"/>
                 </a:solidFill>
               </a:rPr>
               <a:t> Desktop</a:t>
             </a:r>
-            <a:endParaRPr lang="en-US" dirty="0">
-              <a:solidFill>
-                <a:srgbClr val="FF0000"/>
-              </a:solidFill>
-            </a:endParaRPr>
           </a:p>
         </p:txBody>
       </p:sp>
@@ -3393,18 +3396,13 @@
           <a:lstStyle/>
           <a:p>
             <a:r>
-              <a:rPr lang="en-US" dirty="0" smtClean="0">
+              <a:rPr lang="en-US" dirty="0">
                 <a:solidFill>
                   <a:srgbClr val="FF0000"/>
                 </a:solidFill>
               </a:rPr>
               <a:t>Check out your OS</a:t>
             </a:r>
-            <a:endParaRPr lang="en-US" dirty="0">
-              <a:solidFill>
-                <a:srgbClr val="FF0000"/>
-              </a:solidFill>
-            </a:endParaRPr>
           </a:p>
         </p:txBody>
       </p:sp>
@@ -3431,11 +3429,11 @@
           <a:lstStyle/>
           <a:p>
             <a:r>
-              <a:rPr lang="en-US" dirty="0" smtClean="0"/>
+              <a:rPr lang="en-US" dirty="0"/>
               <a:t>2. Install </a:t>
             </a:r>
             <a:r>
-              <a:rPr lang="en-US" dirty="0" err="1" smtClean="0"/>
+              <a:rPr lang="en-US" dirty="0" err="1"/>
               <a:t>RStudio</a:t>
             </a:r>
             <a:endParaRPr lang="en-US" dirty="0"/>
@@ -3494,7 +3492,7 @@
           <a:lstStyle/>
           <a:p>
             <a:r>
-              <a:rPr lang="en-US" dirty="0" err="1" smtClean="0">
+              <a:rPr lang="en-US" dirty="0" err="1">
                 <a:solidFill>
                   <a:srgbClr val="FF0000"/>
                 </a:solidFill>
@@ -3502,7 +3500,7 @@
               <a:t>install.packages</a:t>
             </a:r>
             <a:r>
-              <a:rPr lang="en-US" dirty="0" smtClean="0">
+              <a:rPr lang="en-US" dirty="0">
                 <a:solidFill>
                   <a:srgbClr val="FF0000"/>
                 </a:solidFill>
@@ -3510,7 +3508,7 @@
               <a:t>(c("</a:t>
             </a:r>
             <a:r>
-              <a:rPr lang="en-US" dirty="0" err="1" smtClean="0">
+              <a:rPr lang="en-US" dirty="0" err="1">
                 <a:solidFill>
                   <a:srgbClr val="FF0000"/>
                 </a:solidFill>
@@ -3518,7 +3516,7 @@
               <a:t>tidyverse</a:t>
             </a:r>
             <a:r>
-              <a:rPr lang="en-US" dirty="0" smtClean="0">
+              <a:rPr lang="en-US" dirty="0">
                 <a:solidFill>
                   <a:srgbClr val="FF0000"/>
                 </a:solidFill>
@@ -3526,7 +3524,7 @@
               <a:t>", "ggplot2", "</a:t>
             </a:r>
             <a:r>
-              <a:rPr lang="en-US" dirty="0" err="1" smtClean="0">
+              <a:rPr lang="en-US" dirty="0" err="1">
                 <a:solidFill>
                   <a:srgbClr val="FF0000"/>
                 </a:solidFill>
@@ -3534,7 +3532,7 @@
               <a:t>pheatmap</a:t>
             </a:r>
             <a:r>
-              <a:rPr lang="en-US" dirty="0" smtClean="0">
+              <a:rPr lang="en-US" dirty="0">
                 <a:solidFill>
                   <a:srgbClr val="FF0000"/>
                 </a:solidFill>
@@ -3542,7 +3540,7 @@
               <a:t>", "</a:t>
             </a:r>
             <a:r>
-              <a:rPr lang="en-US" dirty="0" err="1" smtClean="0">
+              <a:rPr lang="en-US" dirty="0" err="1">
                 <a:solidFill>
                   <a:srgbClr val="FF0000"/>
                 </a:solidFill>
@@ -3550,18 +3548,13 @@
               <a:t>Rtsne</a:t>
             </a:r>
             <a:r>
-              <a:rPr lang="en-US" dirty="0" smtClean="0">
+              <a:rPr lang="en-US" dirty="0">
                 <a:solidFill>
                   <a:srgbClr val="FF0000"/>
                 </a:solidFill>
               </a:rPr>
               <a:t>“, “Seurat”))</a:t>
             </a:r>
-            <a:endParaRPr lang="en-US" dirty="0">
-              <a:solidFill>
-                <a:srgbClr val="FF0000"/>
-              </a:solidFill>
-            </a:endParaRPr>
           </a:p>
         </p:txBody>
       </p:sp>
@@ -3657,10 +3650,9 @@
           <a:lstStyle/>
           <a:p>
             <a:r>
-              <a:rPr lang="en-US" dirty="0" smtClean="0"/>
+              <a:rPr lang="en-US" dirty="0"/>
               <a:t>3. Install packages</a:t>
             </a:r>
-            <a:endParaRPr lang="en-US" dirty="0"/>
           </a:p>
         </p:txBody>
       </p:sp>
@@ -3793,7 +3785,7 @@
           <a:lstStyle/>
           <a:p>
             <a:r>
-              <a:rPr lang="en-US" dirty="0" smtClean="0">
+              <a:rPr lang="en-US" dirty="0">
                 <a:solidFill>
                   <a:srgbClr val="FF0000"/>
                 </a:solidFill>
@@ -3801,7 +3793,7 @@
               <a:t>library(</a:t>
             </a:r>
             <a:r>
-              <a:rPr lang="en-US" dirty="0" err="1" smtClean="0">
+              <a:rPr lang="en-US" dirty="0" err="1">
                 <a:solidFill>
                   <a:srgbClr val="FF0000"/>
                 </a:solidFill>
@@ -3809,7 +3801,7 @@
               <a:t>tidyverse</a:t>
             </a:r>
             <a:r>
-              <a:rPr lang="en-US" dirty="0" smtClean="0">
+              <a:rPr lang="en-US" dirty="0">
                 <a:solidFill>
                   <a:srgbClr val="FF0000"/>
                 </a:solidFill>
@@ -3819,7 +3811,7 @@
           </a:p>
           <a:p>
             <a:r>
-              <a:rPr lang="en-US" dirty="0" smtClean="0">
+              <a:rPr lang="en-US" dirty="0">
                 <a:solidFill>
                   <a:srgbClr val="FF0000"/>
                 </a:solidFill>
@@ -3829,7 +3821,7 @@
           </a:p>
           <a:p>
             <a:r>
-              <a:rPr lang="en-US" dirty="0" smtClean="0">
+              <a:rPr lang="en-US" dirty="0">
                 <a:solidFill>
                   <a:srgbClr val="FF0000"/>
                 </a:solidFill>
@@ -3837,7 +3829,7 @@
               <a:t>library(</a:t>
             </a:r>
             <a:r>
-              <a:rPr lang="en-US" dirty="0" err="1" smtClean="0">
+              <a:rPr lang="en-US" dirty="0" err="1">
                 <a:solidFill>
                   <a:srgbClr val="FF0000"/>
                 </a:solidFill>
@@ -3845,7 +3837,7 @@
               <a:t>pheatmap</a:t>
             </a:r>
             <a:r>
-              <a:rPr lang="en-US" dirty="0" smtClean="0">
+              <a:rPr lang="en-US" dirty="0">
                 <a:solidFill>
                   <a:srgbClr val="FF0000"/>
                 </a:solidFill>
@@ -3855,7 +3847,7 @@
           </a:p>
           <a:p>
             <a:r>
-              <a:rPr lang="en-US" dirty="0" smtClean="0">
+              <a:rPr lang="en-US" dirty="0">
                 <a:solidFill>
                   <a:srgbClr val="FF0000"/>
                 </a:solidFill>
@@ -3863,7 +3855,7 @@
               <a:t>library(</a:t>
             </a:r>
             <a:r>
-              <a:rPr lang="en-US" dirty="0" err="1" smtClean="0">
+              <a:rPr lang="en-US" dirty="0" err="1">
                 <a:solidFill>
                   <a:srgbClr val="FF0000"/>
                 </a:solidFill>
@@ -3871,7 +3863,7 @@
               <a:t>Rtsne</a:t>
             </a:r>
             <a:r>
-              <a:rPr lang="en-US" dirty="0" smtClean="0">
+              <a:rPr lang="en-US" dirty="0">
                 <a:solidFill>
                   <a:srgbClr val="FF0000"/>
                 </a:solidFill>
@@ -3881,18 +3873,13 @@
           </a:p>
           <a:p>
             <a:r>
-              <a:rPr lang="en-US" dirty="0" smtClean="0">
+              <a:rPr lang="en-US" dirty="0">
                 <a:solidFill>
                   <a:srgbClr val="FF0000"/>
                 </a:solidFill>
               </a:rPr>
               <a:t>library(Seurat)</a:t>
             </a:r>
-            <a:endParaRPr lang="en-US" dirty="0">
-              <a:solidFill>
-                <a:srgbClr val="FF0000"/>
-              </a:solidFill>
-            </a:endParaRPr>
           </a:p>
         </p:txBody>
       </p:sp>
@@ -3918,13 +3905,13 @@
           <a:lstStyle/>
           <a:p>
             <a:r>
-              <a:rPr lang="en-US" dirty="0" smtClean="0"/>
+              <a:rPr lang="en-US" dirty="0"/>
               <a:t>4. Test package loading:</a:t>
             </a:r>
           </a:p>
           <a:p>
             <a:r>
-              <a:rPr lang="en-US" dirty="0" smtClean="0">
+              <a:rPr lang="en-US" dirty="0">
                 <a:solidFill>
                   <a:srgbClr val="FF0000"/>
                 </a:solidFill>
@@ -3932,7 +3919,7 @@
               <a:t>library(</a:t>
             </a:r>
             <a:r>
-              <a:rPr lang="en-US" dirty="0" err="1" smtClean="0">
+              <a:rPr lang="en-US" dirty="0" err="1">
                 <a:solidFill>
                   <a:srgbClr val="FF0000"/>
                 </a:solidFill>
@@ -3940,18 +3927,13 @@
               <a:t>packagename</a:t>
             </a:r>
             <a:r>
-              <a:rPr lang="en-US" dirty="0" smtClean="0">
+              <a:rPr lang="en-US" dirty="0">
                 <a:solidFill>
                   <a:srgbClr val="FF0000"/>
                 </a:solidFill>
               </a:rPr>
               <a:t>)</a:t>
             </a:r>
-            <a:endParaRPr lang="en-US" dirty="0">
-              <a:solidFill>
-                <a:srgbClr val="FF0000"/>
-              </a:solidFill>
-            </a:endParaRPr>
           </a:p>
         </p:txBody>
       </p:sp>
@@ -4256,10 +4238,9 @@
           <a:lstStyle/>
           <a:p>
             <a:r>
-              <a:rPr lang="en-US" dirty="0" smtClean="0"/>
+              <a:rPr lang="en-US" dirty="0"/>
               <a:t>5. Set your working directory</a:t>
             </a:r>
-            <a:endParaRPr lang="en-US" dirty="0"/>
           </a:p>
         </p:txBody>
       </p:sp>
@@ -4329,18 +4310,13 @@
           <a:lstStyle/>
           <a:p>
             <a:r>
-              <a:rPr lang="en-US" dirty="0" smtClean="0">
+              <a:rPr lang="en-US" dirty="0">
                 <a:solidFill>
                   <a:srgbClr val="FF0000"/>
                 </a:solidFill>
               </a:rPr>
               <a:t>Change your working directory</a:t>
             </a:r>
-            <a:endParaRPr lang="en-US" dirty="0">
-              <a:solidFill>
-                <a:srgbClr val="FF0000"/>
-              </a:solidFill>
-            </a:endParaRPr>
           </a:p>
         </p:txBody>
       </p:sp>
@@ -4464,18 +4440,13 @@
           <a:lstStyle/>
           <a:p>
             <a:r>
-              <a:rPr lang="en-US" dirty="0" smtClean="0">
+              <a:rPr lang="en-US" dirty="0">
                 <a:solidFill>
                   <a:srgbClr val="FF0000"/>
                 </a:solidFill>
               </a:rPr>
               <a:t>Choose your working directory in which raw data files are contained</a:t>
             </a:r>
-            <a:endParaRPr lang="en-US" dirty="0">
-              <a:solidFill>
-                <a:srgbClr val="FF0000"/>
-              </a:solidFill>
-            </a:endParaRPr>
           </a:p>
         </p:txBody>
       </p:sp>
@@ -4655,18 +4626,13 @@
           <a:lstStyle/>
           <a:p>
             <a:r>
-              <a:rPr lang="en-US" dirty="0" smtClean="0">
+              <a:rPr lang="en-US" dirty="0">
                 <a:solidFill>
                   <a:srgbClr val="FF0000"/>
                 </a:solidFill>
               </a:rPr>
               <a:t>Your raw data</a:t>
             </a:r>
-            <a:endParaRPr lang="en-US" dirty="0">
-              <a:solidFill>
-                <a:srgbClr val="FF0000"/>
-              </a:solidFill>
-            </a:endParaRPr>
           </a:p>
         </p:txBody>
       </p:sp>
@@ -4782,18 +4748,13 @@
           <a:lstStyle/>
           <a:p>
             <a:r>
-              <a:rPr lang="en-US" dirty="0" smtClean="0">
+              <a:rPr lang="en-US" dirty="0">
                 <a:solidFill>
                   <a:srgbClr val="FF0000"/>
                 </a:solidFill>
               </a:rPr>
               <a:t>Complete directory setting</a:t>
             </a:r>
-            <a:endParaRPr lang="en-US" dirty="0">
-              <a:solidFill>
-                <a:srgbClr val="FF0000"/>
-              </a:solidFill>
-            </a:endParaRPr>
           </a:p>
         </p:txBody>
       </p:sp>
@@ -5012,18 +4973,13 @@
           <a:lstStyle/>
           <a:p>
             <a:r>
-              <a:rPr lang="en-US" dirty="0" smtClean="0">
+              <a:rPr lang="en-US" dirty="0">
                 <a:solidFill>
                   <a:srgbClr val="FF0000"/>
                 </a:solidFill>
               </a:rPr>
               <a:t>Check out this message</a:t>
             </a:r>
-            <a:endParaRPr lang="en-US" dirty="0">
-              <a:solidFill>
-                <a:srgbClr val="FF0000"/>
-              </a:solidFill>
-            </a:endParaRPr>
           </a:p>
         </p:txBody>
       </p:sp>
